--- a/Presentation/Project Presentation.pptx
+++ b/Presentation/Project Presentation.pptx
@@ -9,8 +9,8 @@
     <p:sldId id="261" r:id="rId3"/>
     <p:sldId id="257" r:id="rId4"/>
     <p:sldId id="258" r:id="rId5"/>
-    <p:sldId id="259" r:id="rId6"/>
-    <p:sldId id="260" r:id="rId7"/>
+    <p:sldId id="262" r:id="rId6"/>
+    <p:sldId id="263" r:id="rId7"/>
   </p:sldIdLst>
   <p:sldSz cx="12192000" cy="6858000"/>
   <p:notesSz cx="6858000" cy="9144000"/>
@@ -109,6 +109,11 @@
       </a:defRPr>
     </a:lvl9pPr>
   </p:defaultTextStyle>
+  <p:extLst>
+    <p:ext uri="{EFAFB233-063F-42B5-8137-9DF3F51BA10A}">
+      <p15:sldGuideLst xmlns:p15="http://schemas.microsoft.com/office/powerpoint/2012/main"/>
+    </p:ext>
+  </p:extLst>
 </p:presentation>
 </file>
 
@@ -6355,21 +6360,21 @@
           <a:chExt cx="0" cy="0"/>
         </a:xfrm>
       </p:grpSpPr>
-      <p:sp useBgFill="1">
-        <p:nvSpPr>
-          <p:cNvPr id="46" name="Rectangle 45">
-            <a:extLst>
-              <a:ext uri="{FF2B5EF4-FFF2-40B4-BE49-F238E27FC236}">
-                <a16:creationId xmlns:a16="http://schemas.microsoft.com/office/drawing/2014/main" id="{EBAF395E-7D52-496C-ACDD-468AEC1ADF0A}"/>
+      <p:cxnSp>
+        <p:nvCxnSpPr>
+          <p:cNvPr id="41" name="Straight Connector 40">
+            <a:extLst>
+              <a:ext uri="{FF2B5EF4-FFF2-40B4-BE49-F238E27FC236}">
+                <a16:creationId xmlns:a16="http://schemas.microsoft.com/office/drawing/2014/main" id="{A240FCEE-B6E2-46D0-9BB0-F45F79545E9D}"/>
               </a:ext>
               <a:ext uri="{C183D7F6-B498-43B3-948B-1728B52AA6E4}">
                 <adec:decorative xmlns:adec="http://schemas.microsoft.com/office/drawing/2017/decorative" val="1"/>
               </a:ext>
             </a:extLst>
           </p:cNvPr>
-          <p:cNvSpPr>
-            <a:spLocks noGrp="1" noRot="1" noChangeAspect="1" noMove="1" noResize="1" noEditPoints="1" noAdjustHandles="1" noChangeArrowheads="1" noChangeShapeType="1" noTextEdit="1"/>
-          </p:cNvSpPr>
+          <p:cNvCxnSpPr>
+            <a:cxnSpLocks noGrp="1" noRot="1" noChangeAspect="1" noMove="1" noResize="1" noEditPoints="1" noAdjustHandles="1" noChangeArrowheads="1" noChangeShapeType="1"/>
+          </p:cNvCxnSpPr>
           <p:nvPr>
             <p:extLst>
               <p:ext uri="{386F3935-93C4-4BCD-93E2-E3B085C9AB24}">
@@ -6377,107 +6382,11 @@
               </p:ext>
             </p:extLst>
           </p:nvPr>
-        </p:nvSpPr>
-        <p:spPr>
-          <a:xfrm>
-            <a:off x="1" y="0"/>
-            <a:ext cx="12192000" cy="6858000"/>
-          </a:xfrm>
-          <a:prstGeom prst="rect">
-            <a:avLst/>
-          </a:prstGeom>
-          <a:ln>
-            <a:noFill/>
-          </a:ln>
-        </p:spPr>
-        <p:style>
-          <a:lnRef idx="2">
-            <a:schemeClr val="accent1">
-              <a:shade val="50000"/>
-            </a:schemeClr>
-          </a:lnRef>
-          <a:fillRef idx="1">
-            <a:schemeClr val="accent1"/>
-          </a:fillRef>
-          <a:effectRef idx="0">
-            <a:schemeClr val="accent1"/>
-          </a:effectRef>
-          <a:fontRef idx="minor">
-            <a:schemeClr val="lt1"/>
-          </a:fontRef>
-        </p:style>
-        <p:txBody>
-          <a:bodyPr rtlCol="0" anchor="ctr"/>
-          <a:lstStyle/>
-          <a:p>
-            <a:pPr algn="ctr"/>
-            <a:endParaRPr lang="en-US"/>
-          </a:p>
-        </p:txBody>
-      </p:sp>
-      <p:sp>
-        <p:nvSpPr>
-          <p:cNvPr id="2" name="Title 1">
-            <a:extLst>
-              <a:ext uri="{FF2B5EF4-FFF2-40B4-BE49-F238E27FC236}">
-                <a16:creationId xmlns:a16="http://schemas.microsoft.com/office/drawing/2014/main" id="{8E0E454A-7AF7-C788-6031-3073D216FBAE}"/>
-              </a:ext>
-            </a:extLst>
-          </p:cNvPr>
-          <p:cNvSpPr>
-            <a:spLocks noGrp="1"/>
-          </p:cNvSpPr>
-          <p:nvPr>
-            <p:ph type="title"/>
-          </p:nvPr>
-        </p:nvSpPr>
-        <p:spPr>
-          <a:xfrm>
-            <a:off x="521208" y="786384"/>
-            <a:ext cx="3509192" cy="2008193"/>
-          </a:xfrm>
-        </p:spPr>
-        <p:txBody>
-          <a:bodyPr anchor="t">
-            <a:normAutofit/>
-          </a:bodyPr>
-          <a:lstStyle/>
-          <a:p>
-            <a:r>
-              <a:rPr lang="en-US"/>
-              <a:t>ER-Diagram</a:t>
-            </a:r>
-            <a:endParaRPr lang="en-US" dirty="0"/>
-          </a:p>
-        </p:txBody>
-      </p:sp>
-      <p:cxnSp>
-        <p:nvCxnSpPr>
-          <p:cNvPr id="47" name="Straight Connector 46">
-            <a:extLst>
-              <a:ext uri="{FF2B5EF4-FFF2-40B4-BE49-F238E27FC236}">
-                <a16:creationId xmlns:a16="http://schemas.microsoft.com/office/drawing/2014/main" id="{56BAADB1-054E-4A82-8D07-643BD1F433EF}"/>
-              </a:ext>
-              <a:ext uri="{C183D7F6-B498-43B3-948B-1728B52AA6E4}">
-                <adec:decorative xmlns:adec="http://schemas.microsoft.com/office/drawing/2017/decorative" val="1"/>
-              </a:ext>
-            </a:extLst>
-          </p:cNvPr>
-          <p:cNvCxnSpPr>
-            <a:cxnSpLocks noGrp="1" noRot="1" noChangeAspect="1" noMove="1" noResize="1" noEditPoints="1" noAdjustHandles="1" noChangeArrowheads="1" noChangeShapeType="1"/>
-          </p:cNvCxnSpPr>
-          <p:nvPr>
-            <p:extLst>
-              <p:ext uri="{386F3935-93C4-4BCD-93E2-E3B085C9AB24}">
-                <p16:designElem xmlns:p16="http://schemas.microsoft.com/office/powerpoint/2015/main" val="1"/>
-              </p:ext>
-            </p:extLst>
-          </p:nvPr>
         </p:nvCxnSpPr>
         <p:spPr>
           <a:xfrm flipH="1">
-            <a:off x="568602" y="576201"/>
-            <a:ext cx="11054799" cy="0"/>
+            <a:off x="571501" y="571500"/>
+            <a:ext cx="11059811" cy="0"/>
           </a:xfrm>
           <a:prstGeom prst="line">
             <a:avLst/>
@@ -6505,10 +6414,10 @@
       </p:cxnSp>
       <p:cxnSp>
         <p:nvCxnSpPr>
-          <p:cNvPr id="49" name="Straight Connector 48">
-            <a:extLst>
-              <a:ext uri="{FF2B5EF4-FFF2-40B4-BE49-F238E27FC236}">
-                <a16:creationId xmlns:a16="http://schemas.microsoft.com/office/drawing/2014/main" id="{B3121654-FB13-441C-AB60-76710D9170C9}"/>
+          <p:cNvPr id="42" name="Straight Connector 41">
+            <a:extLst>
+              <a:ext uri="{FF2B5EF4-FFF2-40B4-BE49-F238E27FC236}">
+                <a16:creationId xmlns:a16="http://schemas.microsoft.com/office/drawing/2014/main" id="{3BD2FB83-3783-4477-80B5-DA5BF10BAF57}"/>
               </a:ext>
               <a:ext uri="{C183D7F6-B498-43B3-948B-1728B52AA6E4}">
                 <adec:decorative xmlns:adec="http://schemas.microsoft.com/office/drawing/2017/decorative" val="1"/>
@@ -6528,8 +6437,259 @@
         </p:nvCxnSpPr>
         <p:spPr>
           <a:xfrm>
-            <a:off x="4419600" y="588336"/>
-            <a:ext cx="0" cy="5698164"/>
+            <a:off x="7742482" y="571500"/>
+            <a:ext cx="0" cy="5715000"/>
+          </a:xfrm>
+          <a:prstGeom prst="line">
+            <a:avLst/>
+          </a:prstGeom>
+          <a:ln>
+            <a:solidFill>
+              <a:schemeClr val="tx1"/>
+            </a:solidFill>
+          </a:ln>
+        </p:spPr>
+        <p:style>
+          <a:lnRef idx="1">
+            <a:schemeClr val="accent1"/>
+          </a:lnRef>
+          <a:fillRef idx="0">
+            <a:schemeClr val="accent1"/>
+          </a:fillRef>
+          <a:effectRef idx="0">
+            <a:schemeClr val="accent1"/>
+          </a:effectRef>
+          <a:fontRef idx="minor">
+            <a:schemeClr val="tx1"/>
+          </a:fontRef>
+        </p:style>
+      </p:cxnSp>
+      <p:cxnSp>
+        <p:nvCxnSpPr>
+          <p:cNvPr id="43" name="Straight Connector 42">
+            <a:extLst>
+              <a:ext uri="{FF2B5EF4-FFF2-40B4-BE49-F238E27FC236}">
+                <a16:creationId xmlns:a16="http://schemas.microsoft.com/office/drawing/2014/main" id="{E83EA203-71D5-49C0-9626-FFA8E46787B0}"/>
+              </a:ext>
+              <a:ext uri="{C183D7F6-B498-43B3-948B-1728B52AA6E4}">
+                <adec:decorative xmlns:adec="http://schemas.microsoft.com/office/drawing/2017/decorative" val="1"/>
+              </a:ext>
+            </a:extLst>
+          </p:cNvPr>
+          <p:cNvCxnSpPr>
+            <a:cxnSpLocks noGrp="1" noRot="1" noChangeAspect="1" noMove="1" noResize="1" noEditPoints="1" noAdjustHandles="1" noChangeArrowheads="1" noChangeShapeType="1"/>
+          </p:cNvCxnSpPr>
+          <p:nvPr>
+            <p:extLst>
+              <p:ext uri="{386F3935-93C4-4BCD-93E2-E3B085C9AB24}">
+                <p16:designElem xmlns:p16="http://schemas.microsoft.com/office/powerpoint/2015/main" val="1"/>
+              </p:ext>
+            </p:extLst>
+          </p:nvPr>
+        </p:nvCxnSpPr>
+        <p:spPr>
+          <a:xfrm flipH="1">
+            <a:off x="577485" y="6283518"/>
+            <a:ext cx="11059811" cy="0"/>
+          </a:xfrm>
+          <a:prstGeom prst="line">
+            <a:avLst/>
+          </a:prstGeom>
+          <a:ln>
+            <a:solidFill>
+              <a:schemeClr val="tx1"/>
+            </a:solidFill>
+          </a:ln>
+        </p:spPr>
+        <p:style>
+          <a:lnRef idx="1">
+            <a:schemeClr val="accent1"/>
+          </a:lnRef>
+          <a:fillRef idx="0">
+            <a:schemeClr val="accent1"/>
+          </a:fillRef>
+          <a:effectRef idx="0">
+            <a:schemeClr val="accent1"/>
+          </a:effectRef>
+          <a:fontRef idx="minor">
+            <a:schemeClr val="tx1"/>
+          </a:fontRef>
+        </p:style>
+      </p:cxnSp>
+      <p:sp useBgFill="1">
+        <p:nvSpPr>
+          <p:cNvPr id="44" name="Rectangle 43">
+            <a:extLst>
+              <a:ext uri="{FF2B5EF4-FFF2-40B4-BE49-F238E27FC236}">
+                <a16:creationId xmlns:a16="http://schemas.microsoft.com/office/drawing/2014/main" id="{1FD0F0B6-5415-4254-9E66-BE9C2FB05B27}"/>
+              </a:ext>
+              <a:ext uri="{C183D7F6-B498-43B3-948B-1728B52AA6E4}">
+                <adec:decorative xmlns:adec="http://schemas.microsoft.com/office/drawing/2017/decorative" val="1"/>
+              </a:ext>
+            </a:extLst>
+          </p:cNvPr>
+          <p:cNvSpPr>
+            <a:spLocks noGrp="1" noRot="1" noChangeAspect="1" noMove="1" noResize="1" noEditPoints="1" noAdjustHandles="1" noChangeArrowheads="1" noChangeShapeType="1" noTextEdit="1"/>
+          </p:cNvSpPr>
+          <p:nvPr>
+            <p:extLst>
+              <p:ext uri="{386F3935-93C4-4BCD-93E2-E3B085C9AB24}">
+                <p16:designElem xmlns:p16="http://schemas.microsoft.com/office/powerpoint/2015/main" val="1"/>
+              </p:ext>
+            </p:extLst>
+          </p:nvPr>
+        </p:nvSpPr>
+        <p:spPr>
+          <a:xfrm>
+            <a:off x="1" y="0"/>
+            <a:ext cx="12192000" cy="6858000"/>
+          </a:xfrm>
+          <a:prstGeom prst="rect">
+            <a:avLst/>
+          </a:prstGeom>
+          <a:ln>
+            <a:noFill/>
+          </a:ln>
+        </p:spPr>
+        <p:style>
+          <a:lnRef idx="2">
+            <a:schemeClr val="accent1">
+              <a:shade val="50000"/>
+            </a:schemeClr>
+          </a:lnRef>
+          <a:fillRef idx="1">
+            <a:schemeClr val="accent1"/>
+          </a:fillRef>
+          <a:effectRef idx="0">
+            <a:schemeClr val="accent1"/>
+          </a:effectRef>
+          <a:fontRef idx="minor">
+            <a:schemeClr val="lt1"/>
+          </a:fontRef>
+        </p:style>
+        <p:txBody>
+          <a:bodyPr rtlCol="0" anchor="ctr"/>
+          <a:lstStyle/>
+          <a:p>
+            <a:pPr algn="ctr"/>
+            <a:endParaRPr lang="en-US"/>
+          </a:p>
+        </p:txBody>
+      </p:sp>
+      <p:sp>
+        <p:nvSpPr>
+          <p:cNvPr id="2" name="Title 1">
+            <a:extLst>
+              <a:ext uri="{FF2B5EF4-FFF2-40B4-BE49-F238E27FC236}">
+                <a16:creationId xmlns:a16="http://schemas.microsoft.com/office/drawing/2014/main" id="{011B9A99-A4D0-8978-94C0-4F42B671F1CE}"/>
+              </a:ext>
+            </a:extLst>
+          </p:cNvPr>
+          <p:cNvSpPr>
+            <a:spLocks noGrp="1"/>
+          </p:cNvSpPr>
+          <p:nvPr>
+            <p:ph type="title"/>
+          </p:nvPr>
+        </p:nvSpPr>
+        <p:spPr>
+          <a:xfrm>
+            <a:off x="521208" y="822960"/>
+            <a:ext cx="3463784" cy="3454604"/>
+          </a:xfrm>
+        </p:spPr>
+        <p:txBody>
+          <a:bodyPr vert="horz" lIns="91440" tIns="45720" rIns="91440" bIns="45720" rtlCol="0" anchor="t">
+            <a:normAutofit/>
+          </a:bodyPr>
+          <a:lstStyle/>
+          <a:p>
+            <a:r>
+              <a:rPr lang="en-US" sz="4800"/>
+              <a:t>ER-Diagram</a:t>
+            </a:r>
+          </a:p>
+        </p:txBody>
+      </p:sp>
+      <p:cxnSp>
+        <p:nvCxnSpPr>
+          <p:cNvPr id="45" name="Straight Connector 44">
+            <a:extLst>
+              <a:ext uri="{FF2B5EF4-FFF2-40B4-BE49-F238E27FC236}">
+                <a16:creationId xmlns:a16="http://schemas.microsoft.com/office/drawing/2014/main" id="{8D66FEA8-8B71-461B-95A4-855374AB4C28}"/>
+              </a:ext>
+              <a:ext uri="{C183D7F6-B498-43B3-948B-1728B52AA6E4}">
+                <adec:decorative xmlns:adec="http://schemas.microsoft.com/office/drawing/2017/decorative" val="1"/>
+              </a:ext>
+            </a:extLst>
+          </p:cNvPr>
+          <p:cNvCxnSpPr>
+            <a:cxnSpLocks noGrp="1" noRot="1" noChangeAspect="1" noMove="1" noResize="1" noEditPoints="1" noAdjustHandles="1" noChangeArrowheads="1" noChangeShapeType="1"/>
+          </p:cNvCxnSpPr>
+          <p:nvPr>
+            <p:extLst>
+              <p:ext uri="{386F3935-93C4-4BCD-93E2-E3B085C9AB24}">
+                <p16:designElem xmlns:p16="http://schemas.microsoft.com/office/powerpoint/2015/main" val="1"/>
+              </p:ext>
+            </p:extLst>
+          </p:nvPr>
+        </p:nvCxnSpPr>
+        <p:spPr>
+          <a:xfrm>
+            <a:off x="4419600" y="571500"/>
+            <a:ext cx="0" cy="5715000"/>
+          </a:xfrm>
+          <a:prstGeom prst="line">
+            <a:avLst/>
+          </a:prstGeom>
+          <a:ln>
+            <a:solidFill>
+              <a:schemeClr val="tx1"/>
+            </a:solidFill>
+          </a:ln>
+        </p:spPr>
+        <p:style>
+          <a:lnRef idx="1">
+            <a:schemeClr val="accent1"/>
+          </a:lnRef>
+          <a:fillRef idx="0">
+            <a:schemeClr val="accent1"/>
+          </a:fillRef>
+          <a:effectRef idx="0">
+            <a:schemeClr val="accent1"/>
+          </a:effectRef>
+          <a:fontRef idx="minor">
+            <a:schemeClr val="tx1"/>
+          </a:fontRef>
+        </p:style>
+      </p:cxnSp>
+      <p:cxnSp>
+        <p:nvCxnSpPr>
+          <p:cNvPr id="46" name="Straight Connector 45">
+            <a:extLst>
+              <a:ext uri="{FF2B5EF4-FFF2-40B4-BE49-F238E27FC236}">
+                <a16:creationId xmlns:a16="http://schemas.microsoft.com/office/drawing/2014/main" id="{7A4B168A-A51F-4C91-A9E4-A2F203CB9DAA}"/>
+              </a:ext>
+              <a:ext uri="{C183D7F6-B498-43B3-948B-1728B52AA6E4}">
+                <adec:decorative xmlns:adec="http://schemas.microsoft.com/office/drawing/2017/decorative" val="1"/>
+              </a:ext>
+            </a:extLst>
+          </p:cNvPr>
+          <p:cNvCxnSpPr>
+            <a:cxnSpLocks noGrp="1" noRot="1" noChangeAspect="1" noMove="1" noResize="1" noEditPoints="1" noAdjustHandles="1" noChangeArrowheads="1" noChangeShapeType="1"/>
+          </p:cNvCxnSpPr>
+          <p:nvPr>
+            <p:extLst>
+              <p:ext uri="{386F3935-93C4-4BCD-93E2-E3B085C9AB24}">
+                <p16:designElem xmlns:p16="http://schemas.microsoft.com/office/powerpoint/2015/main" val="1"/>
+              </p:ext>
+            </p:extLst>
+          </p:nvPr>
+        </p:nvCxnSpPr>
+        <p:spPr>
+          <a:xfrm flipH="1">
+            <a:off x="560689" y="571500"/>
+            <a:ext cx="11059811" cy="0"/>
           </a:xfrm>
           <a:prstGeom prst="line">
             <a:avLst/>
@@ -6560,16 +6720,18 @@
           <p:cNvPr id="5" name="Content Placeholder 4" descr="A diagram of a computer&#10;&#10;Description automatically generated">
             <a:extLst>
               <a:ext uri="{FF2B5EF4-FFF2-40B4-BE49-F238E27FC236}">
-                <a16:creationId xmlns:a16="http://schemas.microsoft.com/office/drawing/2014/main" id="{487980E7-71D4-C3E6-83E7-29E504DD8CBA}"/>
+                <a16:creationId xmlns:a16="http://schemas.microsoft.com/office/drawing/2014/main" id="{8432B611-1E78-7450-FB53-97F83B1C60BD}"/>
               </a:ext>
             </a:extLst>
           </p:cNvPr>
           <p:cNvPicPr>
-            <a:picLocks noChangeAspect="1"/>
+            <a:picLocks noGrp="1" noChangeAspect="1"/>
           </p:cNvPicPr>
-          <p:nvPr/>
+          <p:nvPr>
+            <p:ph idx="1"/>
+          </p:nvPr>
         </p:nvPicPr>
-        <p:blipFill rotWithShape="1">
+        <p:blipFill>
           <a:blip r:embed="rId2">
             <a:extLst>
               <a:ext uri="{28A0092B-C50C-407E-A947-70E740481C1C}">
@@ -6577,13 +6739,14 @@
               </a:ext>
             </a:extLst>
           </a:blip>
-          <a:srcRect r="17142" b="1"/>
-          <a:stretch/>
+          <a:stretch>
+            <a:fillRect/>
+          </a:stretch>
         </p:blipFill>
         <p:spPr>
           <a:xfrm>
-            <a:off x="4699208" y="849338"/>
-            <a:ext cx="6921292" cy="5158038"/>
+            <a:off x="4697052" y="1288921"/>
+            <a:ext cx="6923447" cy="4275228"/>
           </a:xfrm>
           <a:prstGeom prst="rect">
             <a:avLst/>
@@ -6592,10 +6755,10 @@
       </p:pic>
       <p:cxnSp>
         <p:nvCxnSpPr>
-          <p:cNvPr id="50" name="Straight Connector 49">
-            <a:extLst>
-              <a:ext uri="{FF2B5EF4-FFF2-40B4-BE49-F238E27FC236}">
-                <a16:creationId xmlns:a16="http://schemas.microsoft.com/office/drawing/2014/main" id="{C58D2D3E-B980-4D6F-BBFB-DF7A3A947292}"/>
+          <p:cNvPr id="47" name="Straight Connector 46">
+            <a:extLst>
+              <a:ext uri="{FF2B5EF4-FFF2-40B4-BE49-F238E27FC236}">
+                <a16:creationId xmlns:a16="http://schemas.microsoft.com/office/drawing/2014/main" id="{A5407E01-913B-484C-A03C-2C64028471C8}"/>
               </a:ext>
               <a:ext uri="{C183D7F6-B498-43B3-948B-1728B52AA6E4}">
                 <adec:decorative xmlns:adec="http://schemas.microsoft.com/office/drawing/2017/decorative" val="1"/>
@@ -6616,7 +6779,7 @@
         <p:spPr>
           <a:xfrm flipH="1">
             <a:off x="571500" y="6286500"/>
-            <a:ext cx="11054799" cy="0"/>
+            <a:ext cx="11059811" cy="0"/>
           </a:xfrm>
           <a:prstGeom prst="line">
             <a:avLst/>
@@ -6645,7 +6808,7 @@
     </p:spTree>
     <p:extLst>
       <p:ext uri="{BB962C8B-B14F-4D97-AF65-F5344CB8AC3E}">
-        <p14:creationId xmlns:p14="http://schemas.microsoft.com/office/powerpoint/2010/main" val="2562024594"/>
+        <p14:creationId xmlns:p14="http://schemas.microsoft.com/office/powerpoint/2010/main" val="2581455785"/>
       </p:ext>
     </p:extLst>
   </p:cSld>
@@ -6901,7 +7064,7 @@
           <p:cNvPr id="2" name="Title 1">
             <a:extLst>
               <a:ext uri="{FF2B5EF4-FFF2-40B4-BE49-F238E27FC236}">
-                <a16:creationId xmlns:a16="http://schemas.microsoft.com/office/drawing/2014/main" id="{9E646E3C-8EFB-472F-74CF-1B87E1D85DEB}"/>
+                <a16:creationId xmlns:a16="http://schemas.microsoft.com/office/drawing/2014/main" id="{79BC43A3-84BA-0BD2-5735-02DA890E7B72}"/>
               </a:ext>
             </a:extLst>
           </p:cNvPr>
@@ -6926,7 +7089,7 @@
           <a:p>
             <a:r>
               <a:rPr lang="en-US" sz="4800"/>
-              <a:t>Sequence diagram – Book a flight</a:t>
+              <a:t>Sequence Diagram – Book a Flight</a:t>
             </a:r>
           </a:p>
         </p:txBody>
@@ -6985,10 +7148,10 @@
       </p:cxnSp>
       <p:pic>
         <p:nvPicPr>
-          <p:cNvPr id="5" name="Content Placeholder 4" descr="A diagram of a computer&#10;&#10;Description automatically generated">
-            <a:extLst>
-              <a:ext uri="{FF2B5EF4-FFF2-40B4-BE49-F238E27FC236}">
-                <a16:creationId xmlns:a16="http://schemas.microsoft.com/office/drawing/2014/main" id="{74A23646-E5E8-52AA-C1B7-0B4D18E93FD6}"/>
+          <p:cNvPr id="5" name="Content Placeholder 4" descr="A diagram of a diagram&#10;&#10;Description automatically generated">
+            <a:extLst>
+              <a:ext uri="{FF2B5EF4-FFF2-40B4-BE49-F238E27FC236}">
+                <a16:creationId xmlns:a16="http://schemas.microsoft.com/office/drawing/2014/main" id="{9C9D8E44-09BF-0834-AD7B-C52D197E5C5E}"/>
               </a:ext>
             </a:extLst>
           </p:cNvPr>
@@ -7013,8 +7176,8 @@
         </p:blipFill>
         <p:spPr>
           <a:xfrm>
-            <a:off x="432619" y="2039860"/>
-            <a:ext cx="11434916" cy="3200720"/>
+            <a:off x="294969" y="1750142"/>
+            <a:ext cx="11346426" cy="3510116"/>
           </a:xfrm>
           <a:prstGeom prst="rect">
             <a:avLst/>
@@ -7128,7 +7291,7 @@
     </p:spTree>
     <p:extLst>
       <p:ext uri="{BB962C8B-B14F-4D97-AF65-F5344CB8AC3E}">
-        <p14:creationId xmlns:p14="http://schemas.microsoft.com/office/powerpoint/2010/main" val="994529861"/>
+        <p14:creationId xmlns:p14="http://schemas.microsoft.com/office/powerpoint/2010/main" val="2689253733"/>
       </p:ext>
     </p:extLst>
   </p:cSld>
